--- a/Presentation/Delivery Swab.pptx
+++ b/Presentation/Delivery Swab.pptx
@@ -4301,7 +4301,7 @@
             <a:pPr rtl="0"/>
             <a:fld id="{AA55D187-8618-426A-BB54-3E963F5F52D5}" type="datetime1">
               <a:rPr lang="it-IT" smtClean="0"/>
-              <a:t>16/07/2022</a:t>
+              <a:t>19/07/2022</a:t>
             </a:fld>
             <a:endParaRPr lang="it-IT"/>
           </a:p>
@@ -4483,7 +4483,7 @@
             <a:fld id="{6CCEF332-0DBA-41B8-B740-B2D5AD9EACD9}" type="datetime1">
               <a:rPr lang="it-IT" smtClean="0"/>
               <a:pPr/>
-              <a:t>16/07/2022</a:t>
+              <a:t>19/07/2022</a:t>
             </a:fld>
             <a:endParaRPr lang="it-IT" dirty="0"/>
           </a:p>
@@ -19549,6 +19549,36 @@
           </a:p>
         </p:txBody>
       </p:sp>
+      <p:pic>
+        <p:nvPicPr>
+          <p:cNvPr id="4" name="Picture 3">
+            <a:extLst>
+              <a:ext uri="{FF2B5EF4-FFF2-40B4-BE49-F238E27FC236}">
+                <a16:creationId xmlns:a16="http://schemas.microsoft.com/office/drawing/2014/main" id="{0A7DD29E-905E-6B67-0E21-6F29A320FC07}"/>
+              </a:ext>
+            </a:extLst>
+          </p:cNvPr>
+          <p:cNvPicPr>
+            <a:picLocks noChangeAspect="1"/>
+          </p:cNvPicPr>
+          <p:nvPr/>
+        </p:nvPicPr>
+        <p:blipFill>
+          <a:blip r:embed="rId5"/>
+          <a:stretch>
+            <a:fillRect/>
+          </a:stretch>
+        </p:blipFill>
+        <p:spPr>
+          <a:xfrm>
+            <a:off x="6095999" y="1191742"/>
+            <a:ext cx="6096001" cy="3844084"/>
+          </a:xfrm>
+          <a:prstGeom prst="rect">
+            <a:avLst/>
+          </a:prstGeom>
+        </p:spPr>
+      </p:pic>
     </p:spTree>
     <p:extLst>
       <p:ext uri="{BB962C8B-B14F-4D97-AF65-F5344CB8AC3E}">
@@ -20004,7 +20034,12 @@
             <a:fillRect/>
           </a:stretch>
         </p:blipFill>
-        <p:spPr/>
+        <p:spPr>
+          <a:xfrm>
+            <a:off x="4988648" y="-68961"/>
+            <a:ext cx="7534656" cy="6858000"/>
+          </a:xfrm>
+        </p:spPr>
       </p:pic>
       <p:sp>
         <p:nvSpPr>
@@ -20039,55 +20074,6 @@
               <a:t>3</a:t>
             </a:fld>
             <a:endParaRPr lang="it-IT" dirty="0"/>
-          </a:p>
-        </p:txBody>
-      </p:sp>
-      <p:sp>
-        <p:nvSpPr>
-          <p:cNvPr id="4" name="Arrow: Right 3">
-            <a:extLst>
-              <a:ext uri="{FF2B5EF4-FFF2-40B4-BE49-F238E27FC236}">
-                <a16:creationId xmlns:a16="http://schemas.microsoft.com/office/drawing/2014/main" id="{6127C5C0-03FB-12C2-9E27-9B9F79863F84}"/>
-              </a:ext>
-            </a:extLst>
-          </p:cNvPr>
-          <p:cNvSpPr/>
-          <p:nvPr/>
-        </p:nvSpPr>
-        <p:spPr>
-          <a:xfrm rot="8572455">
-            <a:off x="5859427" y="1291135"/>
-            <a:ext cx="1648317" cy="502651"/>
-          </a:xfrm>
-          <a:prstGeom prst="rightArrow">
-            <a:avLst/>
-          </a:prstGeom>
-          <a:ln>
-            <a:solidFill>
-              <a:schemeClr val="accent1"/>
-            </a:solidFill>
-          </a:ln>
-        </p:spPr>
-        <p:style>
-          <a:lnRef idx="2">
-            <a:schemeClr val="accent6"/>
-          </a:lnRef>
-          <a:fillRef idx="1">
-            <a:schemeClr val="lt1"/>
-          </a:fillRef>
-          <a:effectRef idx="0">
-            <a:schemeClr val="accent6"/>
-          </a:effectRef>
-          <a:fontRef idx="minor">
-            <a:schemeClr val="dk1"/>
-          </a:fontRef>
-        </p:style>
-        <p:txBody>
-          <a:bodyPr rtlCol="0" anchor="ctr"/>
-          <a:lstStyle/>
-          <a:p>
-            <a:pPr algn="ctr"/>
-            <a:endParaRPr lang="en-GB"/>
           </a:p>
         </p:txBody>
       </p:sp>
@@ -23229,15 +23215,6 @@
 </file>
 
 <file path=customXml/item1.xml><?xml version="1.0" encoding="utf-8"?>
-<?mso-contentType ?>
-<FormTemplates xmlns="http://schemas.microsoft.com/sharepoint/v3/contenttype/forms">
-  <Display>DocumentLibraryForm</Display>
-  <Edit>DocumentLibraryForm</Edit>
-  <New>DocumentLibraryForm</New>
-</FormTemplates>
-</file>
-
-<file path=customXml/item2.xml><?xml version="1.0" encoding="utf-8"?>
 <ct:contentTypeSchema xmlns:ct="http://schemas.microsoft.com/office/2006/metadata/contentType" xmlns:ma="http://schemas.microsoft.com/office/2006/metadata/properties/metaAttributes" ct:_="" ma:_="" ma:contentTypeName="Documento" ma:contentTypeID="0x010100F3D30845B3567040A98DF07E00387763" ma:contentTypeVersion="14" ma:contentTypeDescription="Creare un nuovo documento." ma:contentTypeScope="" ma:versionID="6320b753632b4cbc7dffaf9a850ceb98">
   <xsd:schema xmlns:xsd="http://www.w3.org/2001/XMLSchema" xmlns:xs="http://www.w3.org/2001/XMLSchema" xmlns:p="http://schemas.microsoft.com/office/2006/metadata/properties" xmlns:ns3="c320991c-cd93-436f-9adf-c723a9807295" xmlns:ns4="0fd1a7f5-a34c-4b06-8147-f965095373ce" targetNamespace="http://schemas.microsoft.com/office/2006/metadata/properties" ma:root="true" ma:fieldsID="03e34667ba0c16c0f97b2f3ccbbeabd2" ns3:_="" ns4:_="">
     <xsd:import namespace="c320991c-cd93-436f-9adf-c723a9807295"/>
@@ -23466,6 +23443,15 @@
 </ct:contentTypeSchema>
 </file>
 
+<file path=customXml/item2.xml><?xml version="1.0" encoding="utf-8"?>
+<?mso-contentType ?>
+<FormTemplates xmlns="http://schemas.microsoft.com/sharepoint/v3/contenttype/forms">
+  <Display>DocumentLibraryForm</Display>
+  <Edit>DocumentLibraryForm</Edit>
+  <New>DocumentLibraryForm</New>
+</FormTemplates>
+</file>
+
 <file path=customXml/item3.xml><?xml version="1.0" encoding="utf-8"?>
 <p:properties xmlns:p="http://schemas.microsoft.com/office/2006/metadata/properties" xmlns:xsi="http://www.w3.org/2001/XMLSchema-instance" xmlns:pc="http://schemas.microsoft.com/office/infopath/2007/PartnerControls">
   <documentManagement>
@@ -23475,14 +23461,6 @@
 </file>
 
 <file path=customXml/itemProps1.xml><?xml version="1.0" encoding="utf-8"?>
-<ds:datastoreItem xmlns:ds="http://schemas.openxmlformats.org/officeDocument/2006/customXml" ds:itemID="{5470C9DA-ADC8-49D9-B223-6D54C6FB7BE0}">
-  <ds:schemaRefs>
-    <ds:schemaRef ds:uri="http://schemas.microsoft.com/sharepoint/v3/contenttype/forms"/>
-  </ds:schemaRefs>
-</ds:datastoreItem>
-</file>
-
-<file path=customXml/itemProps2.xml><?xml version="1.0" encoding="utf-8"?>
 <ds:datastoreItem xmlns:ds="http://schemas.openxmlformats.org/officeDocument/2006/customXml" ds:itemID="{98FE99DD-5BCD-4284-9783-D37A994B914C}">
   <ds:schemaRefs>
     <ds:schemaRef ds:uri="http://schemas.microsoft.com/office/2006/metadata/contentType"/>
@@ -23501,19 +23479,27 @@
 </ds:datastoreItem>
 </file>
 
+<file path=customXml/itemProps2.xml><?xml version="1.0" encoding="utf-8"?>
+<ds:datastoreItem xmlns:ds="http://schemas.openxmlformats.org/officeDocument/2006/customXml" ds:itemID="{5470C9DA-ADC8-49D9-B223-6D54C6FB7BE0}">
+  <ds:schemaRefs>
+    <ds:schemaRef ds:uri="http://schemas.microsoft.com/sharepoint/v3/contenttype/forms"/>
+  </ds:schemaRefs>
+</ds:datastoreItem>
+</file>
+
 <file path=customXml/itemProps3.xml><?xml version="1.0" encoding="utf-8"?>
 <ds:datastoreItem xmlns:ds="http://schemas.openxmlformats.org/officeDocument/2006/customXml" ds:itemID="{97333985-6DEC-4BB6-B360-FFFEFA02249A}">
   <ds:schemaRefs>
+    <ds:schemaRef ds:uri="http://schemas.microsoft.com/office/infopath/2007/PartnerControls"/>
+    <ds:schemaRef ds:uri="http://schemas.microsoft.com/office/2006/documentManagement/types"/>
     <ds:schemaRef ds:uri="http://purl.org/dc/elements/1.1/"/>
     <ds:schemaRef ds:uri="http://schemas.microsoft.com/office/2006/metadata/properties"/>
+    <ds:schemaRef ds:uri="0fd1a7f5-a34c-4b06-8147-f965095373ce"/>
+    <ds:schemaRef ds:uri="http://purl.org/dc/terms/"/>
+    <ds:schemaRef ds:uri="http://schemas.openxmlformats.org/package/2006/metadata/core-properties"/>
+    <ds:schemaRef ds:uri="http://purl.org/dc/dcmitype/"/>
     <ds:schemaRef ds:uri="c320991c-cd93-436f-9adf-c723a9807295"/>
-    <ds:schemaRef ds:uri="http://schemas.openxmlformats.org/package/2006/metadata/core-properties"/>
-    <ds:schemaRef ds:uri="http://purl.org/dc/terms/"/>
-    <ds:schemaRef ds:uri="http://schemas.microsoft.com/office/2006/documentManagement/types"/>
-    <ds:schemaRef ds:uri="http://schemas.microsoft.com/office/infopath/2007/PartnerControls"/>
-    <ds:schemaRef ds:uri="0fd1a7f5-a34c-4b06-8147-f965095373ce"/>
     <ds:schemaRef ds:uri="http://www.w3.org/XML/1998/namespace"/>
-    <ds:schemaRef ds:uri="http://purl.org/dc/dcmitype/"/>
   </ds:schemaRefs>
 </ds:datastoreItem>
 </file>
